--- a/Single_Learning_Element/Powerpoint/GeographischeInformationssysteme_ppt/Presentation_Datentypen.pptx
+++ b/Single_Learning_Element/Powerpoint/GeographischeInformationssysteme_ppt/Presentation_Datentypen.pptx
@@ -32,38 +32,31 @@
   <p:notesSz cx="10287000" cy="18288000"/>
   <p:embeddedFontLst>
     <p:embeddedFont>
-      <p:font typeface="Calibri" panose="020F0502020204030204" pitchFamily="34" charset="0"/>
+      <p:font typeface="Roboto" panose="02000000000000000000" pitchFamily="2" charset="0"/>
       <p:regular r:id="rId22"/>
       <p:bold r:id="rId23"/>
       <p:italic r:id="rId24"/>
       <p:boldItalic r:id="rId25"/>
     </p:embeddedFont>
     <p:embeddedFont>
-      <p:font typeface="Roboto" panose="02000000000000000000" pitchFamily="2" charset="0"/>
+      <p:font typeface="Urbanist" panose="020B0A04040200000203" pitchFamily="34" charset="77"/>
       <p:regular r:id="rId26"/>
       <p:bold r:id="rId27"/>
       <p:italic r:id="rId28"/>
       <p:boldItalic r:id="rId29"/>
     </p:embeddedFont>
     <p:embeddedFont>
-      <p:font typeface="Urbanist" panose="020B0A04040200000203" pitchFamily="34" charset="77"/>
-      <p:regular r:id="rId30"/>
-      <p:bold r:id="rId31"/>
-      <p:italic r:id="rId32"/>
-      <p:boldItalic r:id="rId33"/>
+      <p:font typeface="Urbanist Black" panose="020B0A04040200000203" pitchFamily="34" charset="77"/>
+      <p:bold r:id="rId30"/>
+      <p:italic r:id="rId31"/>
+      <p:boldItalic r:id="rId32"/>
     </p:embeddedFont>
     <p:embeddedFont>
-      <p:font typeface="Urbanist Black" panose="020B0A04040200000203" pitchFamily="34" charset="77"/>
+      <p:font typeface="Urbanist Medium" panose="020B0A04040200000203" pitchFamily="34" charset="77"/>
+      <p:regular r:id="rId33"/>
       <p:bold r:id="rId34"/>
       <p:italic r:id="rId35"/>
       <p:boldItalic r:id="rId36"/>
-    </p:embeddedFont>
-    <p:embeddedFont>
-      <p:font typeface="Urbanist Medium" panose="020B0A04040200000203" pitchFamily="34" charset="77"/>
-      <p:regular r:id="rId37"/>
-      <p:bold r:id="rId38"/>
-      <p:italic r:id="rId39"/>
-      <p:boldItalic r:id="rId40"/>
     </p:embeddedFont>
   </p:embeddedFontLst>
   <p:defaultTextStyle>
